--- a/Pnet export import guide.pptx
+++ b/Pnet export import guide.pptx
@@ -109,6 +109,11 @@
       </a:defRPr>
     </a:lvl9pPr>
   </p:defaultTextStyle>
+  <p:extLst>
+    <p:ext uri="{EFAFB233-063F-42B5-8137-9DF3F51BA10A}">
+      <p15:sldGuideLst xmlns:p15="http://schemas.microsoft.com/office/powerpoint/2012/main"/>
+    </p:ext>
+  </p:extLst>
 </p:presentation>
 </file>
 
@@ -3492,7 +3497,43 @@
             </a:br>
             <a:r>
               <a:rPr lang="ko-KR" altLang="en-US" sz="2000" dirty="0" smtClean="0"/>
-              <a:t>폴더 선택 후 지정된 변경 사항 확인 및 변경</a:t>
+              <a:t>폴더 선택 </a:t>
+            </a:r>
+            <a:r>
+              <a:rPr lang="ko-KR" altLang="en-US" sz="2000" dirty="0" smtClean="0"/>
+              <a:t>후 </a:t>
+            </a:r>
+            <a:r>
+              <a:rPr lang="ko-KR" altLang="en-US" sz="2000" dirty="0" smtClean="0"/>
+              <a:t>지정된 변경 사항 </a:t>
+            </a:r>
+            <a:r>
+              <a:rPr lang="ko-KR" altLang="en-US" sz="2000" dirty="0" smtClean="0"/>
+              <a:t>파일로 </a:t>
+            </a:r>
+            <a:r>
+              <a:rPr lang="ko-KR" altLang="en-US" sz="2000" dirty="0" err="1" smtClean="0"/>
+              <a:t>변경후</a:t>
+            </a:r>
+            <a:r>
+              <a:rPr lang="ko-KR" altLang="en-US" sz="2000" dirty="0" smtClean="0"/>
+              <a:t> </a:t>
+            </a:r>
+            <a:r>
+              <a:rPr lang="en-US" altLang="ko-KR" sz="2000" dirty="0" smtClean="0"/>
+              <a:t>Change All </a:t>
+            </a:r>
+            <a:r>
+              <a:rPr lang="ko-KR" altLang="en-US" sz="2000" dirty="0" smtClean="0"/>
+              <a:t>을 </a:t>
+            </a:r>
+            <a:r>
+              <a:rPr lang="en-US" altLang="ko-KR" sz="2000" dirty="0" smtClean="0"/>
+              <a:t>on</a:t>
+            </a:r>
+            <a:r>
+              <a:rPr lang="ko-KR" altLang="en-US" sz="2000" dirty="0" smtClean="0"/>
+              <a:t>으로 변경</a:t>
             </a:r>
             <a:endParaRPr lang="ko-KR" altLang="en-US" sz="2000" dirty="0"/>
           </a:p>

--- a/Pnet export import guide.pptx
+++ b/Pnet export import guide.pptx
@@ -248,7 +248,7 @@
           <a:p>
             <a:fld id="{955D24E7-C0E6-4C56-8CC7-736A322B4B8C}" type="datetimeFigureOut">
               <a:rPr lang="ko-KR" altLang="en-US" smtClean="0"/>
-              <a:t>2025-06-02</a:t>
+              <a:t>2025-06-20</a:t>
             </a:fld>
             <a:endParaRPr lang="ko-KR" altLang="en-US"/>
           </a:p>
@@ -418,7 +418,7 @@
           <a:p>
             <a:fld id="{955D24E7-C0E6-4C56-8CC7-736A322B4B8C}" type="datetimeFigureOut">
               <a:rPr lang="ko-KR" altLang="en-US" smtClean="0"/>
-              <a:t>2025-06-02</a:t>
+              <a:t>2025-06-20</a:t>
             </a:fld>
             <a:endParaRPr lang="ko-KR" altLang="en-US"/>
           </a:p>
@@ -598,7 +598,7 @@
           <a:p>
             <a:fld id="{955D24E7-C0E6-4C56-8CC7-736A322B4B8C}" type="datetimeFigureOut">
               <a:rPr lang="ko-KR" altLang="en-US" smtClean="0"/>
-              <a:t>2025-06-02</a:t>
+              <a:t>2025-06-20</a:t>
             </a:fld>
             <a:endParaRPr lang="ko-KR" altLang="en-US"/>
           </a:p>
@@ -768,7 +768,7 @@
           <a:p>
             <a:fld id="{955D24E7-C0E6-4C56-8CC7-736A322B4B8C}" type="datetimeFigureOut">
               <a:rPr lang="ko-KR" altLang="en-US" smtClean="0"/>
-              <a:t>2025-06-02</a:t>
+              <a:t>2025-06-20</a:t>
             </a:fld>
             <a:endParaRPr lang="ko-KR" altLang="en-US"/>
           </a:p>
@@ -1014,7 +1014,7 @@
           <a:p>
             <a:fld id="{955D24E7-C0E6-4C56-8CC7-736A322B4B8C}" type="datetimeFigureOut">
               <a:rPr lang="ko-KR" altLang="en-US" smtClean="0"/>
-              <a:t>2025-06-02</a:t>
+              <a:t>2025-06-20</a:t>
             </a:fld>
             <a:endParaRPr lang="ko-KR" altLang="en-US"/>
           </a:p>
@@ -1246,7 +1246,7 @@
           <a:p>
             <a:fld id="{955D24E7-C0E6-4C56-8CC7-736A322B4B8C}" type="datetimeFigureOut">
               <a:rPr lang="ko-KR" altLang="en-US" smtClean="0"/>
-              <a:t>2025-06-02</a:t>
+              <a:t>2025-06-20</a:t>
             </a:fld>
             <a:endParaRPr lang="ko-KR" altLang="en-US"/>
           </a:p>
@@ -1613,7 +1613,7 @@
           <a:p>
             <a:fld id="{955D24E7-C0E6-4C56-8CC7-736A322B4B8C}" type="datetimeFigureOut">
               <a:rPr lang="ko-KR" altLang="en-US" smtClean="0"/>
-              <a:t>2025-06-02</a:t>
+              <a:t>2025-06-20</a:t>
             </a:fld>
             <a:endParaRPr lang="ko-KR" altLang="en-US"/>
           </a:p>
@@ -1731,7 +1731,7 @@
           <a:p>
             <a:fld id="{955D24E7-C0E6-4C56-8CC7-736A322B4B8C}" type="datetimeFigureOut">
               <a:rPr lang="ko-KR" altLang="en-US" smtClean="0"/>
-              <a:t>2025-06-02</a:t>
+              <a:t>2025-06-20</a:t>
             </a:fld>
             <a:endParaRPr lang="ko-KR" altLang="en-US"/>
           </a:p>
@@ -1826,7 +1826,7 @@
           <a:p>
             <a:fld id="{955D24E7-C0E6-4C56-8CC7-736A322B4B8C}" type="datetimeFigureOut">
               <a:rPr lang="ko-KR" altLang="en-US" smtClean="0"/>
-              <a:t>2025-06-02</a:t>
+              <a:t>2025-06-20</a:t>
             </a:fld>
             <a:endParaRPr lang="ko-KR" altLang="en-US"/>
           </a:p>
@@ -2103,7 +2103,7 @@
           <a:p>
             <a:fld id="{955D24E7-C0E6-4C56-8CC7-736A322B4B8C}" type="datetimeFigureOut">
               <a:rPr lang="ko-KR" altLang="en-US" smtClean="0"/>
-              <a:t>2025-06-02</a:t>
+              <a:t>2025-06-20</a:t>
             </a:fld>
             <a:endParaRPr lang="ko-KR" altLang="en-US"/>
           </a:p>
@@ -2356,7 +2356,7 @@
           <a:p>
             <a:fld id="{955D24E7-C0E6-4C56-8CC7-736A322B4B8C}" type="datetimeFigureOut">
               <a:rPr lang="ko-KR" altLang="en-US" smtClean="0"/>
-              <a:t>2025-06-02</a:t>
+              <a:t>2025-06-20</a:t>
             </a:fld>
             <a:endParaRPr lang="ko-KR" altLang="en-US"/>
           </a:p>
@@ -2569,7 +2569,7 @@
           <a:p>
             <a:fld id="{955D24E7-C0E6-4C56-8CC7-736A322B4B8C}" type="datetimeFigureOut">
               <a:rPr lang="ko-KR" altLang="en-US" smtClean="0"/>
-              <a:t>2025-06-02</a:t>
+              <a:t>2025-06-20</a:t>
             </a:fld>
             <a:endParaRPr lang="ko-KR" altLang="en-US"/>
           </a:p>
@@ -3497,19 +3497,7 @@
             </a:br>
             <a:r>
               <a:rPr lang="ko-KR" altLang="en-US" sz="2000" dirty="0" smtClean="0"/>
-              <a:t>폴더 선택 </a:t>
-            </a:r>
-            <a:r>
-              <a:rPr lang="ko-KR" altLang="en-US" sz="2000" dirty="0" smtClean="0"/>
-              <a:t>후 </a:t>
-            </a:r>
-            <a:r>
-              <a:rPr lang="ko-KR" altLang="en-US" sz="2000" dirty="0" smtClean="0"/>
-              <a:t>지정된 변경 사항 </a:t>
-            </a:r>
-            <a:r>
-              <a:rPr lang="ko-KR" altLang="en-US" sz="2000" dirty="0" smtClean="0"/>
-              <a:t>파일로 </a:t>
+              <a:t>폴더 선택 후 지정된 변경 사항 파일로 </a:t>
             </a:r>
             <a:r>
               <a:rPr lang="ko-KR" altLang="en-US" sz="2000" dirty="0" err="1" smtClean="0"/>
